--- a/project/Nguyen_Hieu_FinalProject.pptx
+++ b/project/Nguyen_Hieu_FinalProject.pptx
@@ -1514,6 +1514,52 @@
               <a:rPr lang="en-US" dirty="0" smtClean="0"/>
               <a:t>https://fstoppers.com/pictures/pics-sam-hurds-epic-portraits-2783</a:t>
             </a:r>
+          </a:p>
+          <a:p>
+            <a:pPr>
+              <a:spcBef>
+                <a:spcPts val="0"/>
+              </a:spcBef>
+              <a:buNone/>
+            </a:pPr>
+            <a:endParaRPr lang="en-US" dirty="0" smtClean="0"/>
+          </a:p>
+          <a:p>
+            <a:pPr>
+              <a:spcBef>
+                <a:spcPts val="0"/>
+              </a:spcBef>
+              <a:buNone/>
+            </a:pPr>
+            <a:r>
+              <a:rPr lang="en-US" dirty="0" smtClean="0"/>
+              <a:t>http://</a:t>
+            </a:r>
+            <a:r>
+              <a:rPr lang="en-US" dirty="0" smtClean="0"/>
+              <a:t>www.kolor.com/wiki-en/action/view/Autopano_Brenizer_Method</a:t>
+            </a:r>
+          </a:p>
+          <a:p>
+            <a:pPr>
+              <a:spcBef>
+                <a:spcPts val="0"/>
+              </a:spcBef>
+              <a:buNone/>
+            </a:pPr>
+            <a:r>
+              <a:rPr lang="en-US" dirty="0" smtClean="0"/>
+              <a:t>http://brettmaxwellphoto.com/Brenizer-Method-Calculation/</a:t>
+            </a:r>
+          </a:p>
+          <a:p>
+            <a:pPr>
+              <a:spcBef>
+                <a:spcPts val="0"/>
+              </a:spcBef>
+              <a:buNone/>
+            </a:pPr>
+            <a:endParaRPr lang="en-US" dirty="0" smtClean="0"/>
           </a:p>
           <a:p>
             <a:pPr>

--- a/project/Nguyen_Hieu_FinalProject.pptx
+++ b/project/Nguyen_Hieu_FinalProject.pptx
@@ -1295,6 +1295,135 @@
           </a:bodyPr>
           <a:lstStyle/>
           <a:p>
+            <a:r>
+              <a:rPr lang="en-US" sz="1100" b="0" i="0" kern="1200" dirty="0" smtClean="0">
+                <a:solidFill>
+                  <a:schemeClr val="tx1"/>
+                </a:solidFill>
+                <a:effectLst/>
+                <a:latin typeface="+mn-lt"/>
+                <a:ea typeface="+mn-ea"/>
+                <a:cs typeface="+mn-cs"/>
+              </a:rPr>
+              <a:t>This method is of interest because:</a:t>
+            </a:r>
+          </a:p>
+          <a:p>
+            <a:r>
+              <a:rPr lang="en-US" sz="1100" b="0" i="0" kern="1200" dirty="0" smtClean="0">
+                <a:solidFill>
+                  <a:schemeClr val="tx1"/>
+                </a:solidFill>
+                <a:effectLst/>
+                <a:latin typeface="+mn-lt"/>
+                <a:ea typeface="+mn-ea"/>
+                <a:cs typeface="+mn-cs"/>
+              </a:rPr>
+              <a:t>It allows for the cheap and relatively easy creation of aesthetics usually only available through the use of expensive, complicated and bulky equipment.</a:t>
+            </a:r>
+          </a:p>
+          <a:p>
+            <a:r>
+              <a:rPr lang="en-US" sz="1100" b="0" i="0" kern="1200" dirty="0" smtClean="0">
+                <a:solidFill>
+                  <a:schemeClr val="tx1"/>
+                </a:solidFill>
+                <a:effectLst/>
+                <a:latin typeface="+mn-lt"/>
+                <a:ea typeface="+mn-ea"/>
+                <a:cs typeface="+mn-cs"/>
+              </a:rPr>
+              <a:t>It provides a way of imitating a generally traditional film based process with digital equipment.</a:t>
+            </a:r>
+          </a:p>
+          <a:p>
+            <a:pPr>
+              <a:spcBef>
+                <a:spcPts val="0"/>
+              </a:spcBef>
+              <a:buNone/>
+            </a:pPr>
+            <a:r>
+              <a:rPr lang="en-US" sz="1100" b="0" i="0" kern="1200" dirty="0" smtClean="0">
+                <a:solidFill>
+                  <a:schemeClr val="tx1"/>
+                </a:solidFill>
+                <a:effectLst/>
+                <a:latin typeface="+mn-lt"/>
+                <a:ea typeface="+mn-ea"/>
+                <a:cs typeface="+mn-cs"/>
+              </a:rPr>
+              <a:t>It is generally used for </a:t>
+            </a:r>
+            <a:r>
+              <a:rPr lang="en-US" sz="1100" b="0" i="0" u="none" strike="noStrike" kern="1200" dirty="0" smtClean="0">
+                <a:solidFill>
+                  <a:schemeClr val="tx1"/>
+                </a:solidFill>
+                <a:effectLst/>
+                <a:latin typeface="+mn-lt"/>
+                <a:ea typeface="+mn-ea"/>
+                <a:cs typeface="+mn-cs"/>
+                <a:hlinkClick r:id="rId3" tooltip="Portrait photography"/>
+              </a:rPr>
+              <a:t>portrait photography</a:t>
+            </a:r>
+            <a:r>
+              <a:rPr lang="en-US" sz="1100" b="0" i="0" kern="1200" dirty="0" smtClean="0">
+                <a:solidFill>
+                  <a:schemeClr val="tx1"/>
+                </a:solidFill>
+                <a:effectLst/>
+                <a:latin typeface="+mn-lt"/>
+                <a:ea typeface="+mn-ea"/>
+                <a:cs typeface="+mn-cs"/>
+              </a:rPr>
+              <a:t> (especially </a:t>
+            </a:r>
+            <a:r>
+              <a:rPr lang="en-US" sz="1100" b="0" i="0" u="none" strike="noStrike" kern="1200" dirty="0" smtClean="0">
+                <a:solidFill>
+                  <a:schemeClr val="tx1"/>
+                </a:solidFill>
+                <a:effectLst/>
+                <a:latin typeface="+mn-lt"/>
+                <a:ea typeface="+mn-ea"/>
+                <a:cs typeface="+mn-cs"/>
+                <a:hlinkClick r:id="rId4" tooltip="Wedding photography"/>
+              </a:rPr>
+              <a:t>wedding photography</a:t>
+            </a:r>
+            <a:r>
+              <a:rPr lang="en-US" sz="1100" b="0" i="0" kern="1200" dirty="0" smtClean="0">
+                <a:solidFill>
+                  <a:schemeClr val="tx1"/>
+                </a:solidFill>
+                <a:effectLst/>
+                <a:latin typeface="+mn-lt"/>
+                <a:ea typeface="+mn-ea"/>
+                <a:cs typeface="+mn-cs"/>
+              </a:rPr>
+              <a:t>) and, increasingly, automobile photography.</a:t>
+            </a:r>
+          </a:p>
+          <a:p>
+            <a:pPr>
+              <a:spcBef>
+                <a:spcPts val="0"/>
+              </a:spcBef>
+              <a:buNone/>
+            </a:pPr>
+            <a:endParaRPr lang="en-US" sz="1100" b="0" i="0" kern="1200" dirty="0" smtClean="0">
+              <a:solidFill>
+                <a:schemeClr val="tx1"/>
+              </a:solidFill>
+              <a:effectLst/>
+              <a:latin typeface="+mn-lt"/>
+              <a:ea typeface="+mn-ea"/>
+              <a:cs typeface="+mn-cs"/>
+            </a:endParaRPr>
+          </a:p>
+          <a:p>
             <a:pPr>
               <a:spcBef>
                 <a:spcPts val="0"/>
@@ -1800,7 +1929,7 @@
               </a:spcBef>
               <a:buNone/>
             </a:pPr>
-            <a:endParaRPr/>
+            <a:endParaRPr dirty="0"/>
           </a:p>
         </p:txBody>
       </p:sp>
@@ -2258,13 +2387,95 @@
           </a:bodyPr>
           <a:lstStyle/>
           <a:p>
+            <a:pPr marL="0" marR="0" lvl="0" indent="0" algn="l" defTabSz="914400" rtl="0" eaLnBrk="1" fontAlgn="auto" latinLnBrk="0" hangingPunct="1">
+              <a:lnSpc>
+                <a:spcPct val="100000"/>
+              </a:lnSpc>
+              <a:spcBef>
+                <a:spcPts val="0"/>
+              </a:spcBef>
+              <a:spcAft>
+                <a:spcPts val="0"/>
+              </a:spcAft>
+              <a:buClrTx/>
+              <a:buSzTx/>
+              <a:buFontTx/>
+              <a:buNone/>
+              <a:tabLst/>
+              <a:defRPr/>
+            </a:pPr>
+            <a:r>
+              <a:rPr lang="en-US" sz="1100" dirty="0" smtClean="0"/>
+              <a:t>The </a:t>
+            </a:r>
+            <a:r>
+              <a:rPr lang="en-US" sz="1100" dirty="0" smtClean="0">
+                <a:hlinkClick r:id="rId3" tooltip="Image stitching"/>
+              </a:rPr>
+              <a:t>image stitching</a:t>
+            </a:r>
+            <a:r>
+              <a:rPr lang="en-US" sz="1100" dirty="0" smtClean="0"/>
+              <a:t> process generally introduces a great deal of </a:t>
+            </a:r>
+            <a:r>
+              <a:rPr lang="en-US" sz="1100" dirty="0" smtClean="0">
+                <a:hlinkClick r:id="rId4" tooltip="Distortion (optics)"/>
+              </a:rPr>
+              <a:t>distortion</a:t>
+            </a:r>
+            <a:r>
+              <a:rPr lang="en-US" sz="1100" dirty="0" smtClean="0"/>
+              <a:t>. To recover a square or rectangular shape, </a:t>
+            </a:r>
+            <a:r>
+              <a:rPr lang="en-US" sz="1100" dirty="0" smtClean="0">
+                <a:hlinkClick r:id="rId5" tooltip="Cropping (image)"/>
+              </a:rPr>
+              <a:t>cropping</a:t>
+            </a:r>
+            <a:r>
+              <a:rPr lang="en-US" sz="1100" dirty="0" smtClean="0"/>
+              <a:t> generally needs to be applied</a:t>
+            </a:r>
+          </a:p>
+          <a:p>
             <a:pPr>
               <a:spcBef>
                 <a:spcPts val="0"/>
               </a:spcBef>
               <a:buNone/>
             </a:pPr>
-            <a:endParaRPr/>
+            <a:endParaRPr lang="en-US" dirty="0" smtClean="0"/>
+          </a:p>
+          <a:p>
+            <a:pPr>
+              <a:spcBef>
+                <a:spcPts val="0"/>
+              </a:spcBef>
+              <a:buNone/>
+            </a:pPr>
+            <a:r>
+              <a:rPr lang="en-US" sz="1100" b="0" i="0" kern="1200" dirty="0" smtClean="0">
+                <a:solidFill>
+                  <a:schemeClr val="tx1"/>
+                </a:solidFill>
+                <a:effectLst/>
+                <a:latin typeface="+mn-lt"/>
+                <a:ea typeface="+mn-ea"/>
+                <a:cs typeface="+mn-cs"/>
+              </a:rPr>
+              <a:t>While the aesthetics of this form of imaging most closely resemble large format analog photography</a:t>
+            </a:r>
+          </a:p>
+          <a:p>
+            <a:pPr>
+              <a:spcBef>
+                <a:spcPts val="0"/>
+              </a:spcBef>
+              <a:buNone/>
+            </a:pPr>
+            <a:endParaRPr dirty="0"/>
           </a:p>
         </p:txBody>
       </p:sp>
@@ -5428,11 +5639,11 @@
               <a:t>Auto </a:t>
             </a:r>
             <a:r>
-              <a:rPr lang="en-US" dirty="0" err="1"/>
-              <a:t>Brenizer</a:t>
-            </a:r>
-            <a:r>
-              <a:rPr lang="en-US" dirty="0"/>
+              <a:rPr lang="en-US" dirty="0" err="1" smtClean="0"/>
+              <a:t>Bokeh</a:t>
+            </a:r>
+            <a:r>
+              <a:rPr lang="en-US" dirty="0" smtClean="0"/>
               <a:t> </a:t>
             </a:r>
             <a:r>
@@ -6643,14 +6854,11 @@
               <a:buSzPct val="100000"/>
               <a:buFont typeface="Arial"/>
             </a:pPr>
-            <a:r>
-              <a:rPr lang="en" sz="2400">
-                <a:solidFill>
-                  <a:schemeClr val="dk1"/>
-                </a:solidFill>
-              </a:rPr>
-              <a:t>Details</a:t>
-            </a:r>
+            <a:endParaRPr lang="en" sz="2400" dirty="0">
+              <a:solidFill>
+                <a:schemeClr val="dk1"/>
+              </a:solidFill>
+            </a:endParaRPr>
           </a:p>
         </p:txBody>
       </p:sp>
@@ -6964,13 +7172,143 @@
               <a:buFont typeface="Arial"/>
             </a:pPr>
             <a:r>
-              <a:rPr lang="en" sz="2400">
+              <a:rPr lang="en" sz="1800" dirty="0" smtClean="0">
                 <a:solidFill>
                   <a:schemeClr val="dk1"/>
                 </a:solidFill>
               </a:rPr>
-              <a:t>Details</a:t>
-            </a:r>
+              <a:t>The process requires taking multiple shots of a scene in a manner that allows for later image stitching</a:t>
+            </a:r>
+          </a:p>
+          <a:p>
+            <a:pPr marL="514350" marR="0" lvl="0" indent="-285750" algn="l" rtl="0">
+              <a:lnSpc>
+                <a:spcPct val="100000"/>
+              </a:lnSpc>
+              <a:spcBef>
+                <a:spcPts val="600"/>
+              </a:spcBef>
+              <a:spcAft>
+                <a:spcPts val="0"/>
+              </a:spcAft>
+              <a:buClr>
+                <a:schemeClr val="dk1"/>
+              </a:buClr>
+              <a:buSzPct val="100000"/>
+              <a:buFont typeface="Arial" panose="020B0604020202020204" pitchFamily="34" charset="0"/>
+              <a:buChar char="•"/>
+            </a:pPr>
+            <a:r>
+              <a:rPr lang="en-US" sz="1800" dirty="0" smtClean="0">
+                <a:solidFill>
+                  <a:schemeClr val="dk1"/>
+                </a:solidFill>
+              </a:rPr>
+              <a:t>F</a:t>
+            </a:r>
+            <a:r>
+              <a:rPr lang="en" sz="1800" dirty="0" smtClean="0">
+                <a:solidFill>
+                  <a:schemeClr val="dk1"/>
+                </a:solidFill>
+              </a:rPr>
+              <a:t>ast lens</a:t>
+            </a:r>
+          </a:p>
+          <a:p>
+            <a:pPr marL="514350" marR="0" lvl="0" indent="-285750" algn="l" rtl="0">
+              <a:lnSpc>
+                <a:spcPct val="100000"/>
+              </a:lnSpc>
+              <a:spcBef>
+                <a:spcPts val="600"/>
+              </a:spcBef>
+              <a:spcAft>
+                <a:spcPts val="0"/>
+              </a:spcAft>
+              <a:buClr>
+                <a:schemeClr val="dk1"/>
+              </a:buClr>
+              <a:buSzPct val="100000"/>
+              <a:buFont typeface="Arial" panose="020B0604020202020204" pitchFamily="34" charset="0"/>
+              <a:buChar char="•"/>
+            </a:pPr>
+            <a:r>
+              <a:rPr lang="en" sz="1800" dirty="0" smtClean="0">
+                <a:solidFill>
+                  <a:schemeClr val="dk1"/>
+                </a:solidFill>
+              </a:rPr>
+              <a:t>Focal length of 50mm or longer</a:t>
+            </a:r>
+          </a:p>
+          <a:p>
+            <a:pPr marL="514350" marR="0" lvl="0" indent="-285750" algn="l" rtl="0">
+              <a:lnSpc>
+                <a:spcPct val="100000"/>
+              </a:lnSpc>
+              <a:spcBef>
+                <a:spcPts val="600"/>
+              </a:spcBef>
+              <a:spcAft>
+                <a:spcPts val="0"/>
+              </a:spcAft>
+              <a:buClr>
+                <a:schemeClr val="dk1"/>
+              </a:buClr>
+              <a:buSzPct val="100000"/>
+              <a:buFont typeface="Arial" panose="020B0604020202020204" pitchFamily="34" charset="0"/>
+              <a:buChar char="•"/>
+            </a:pPr>
+            <a:r>
+              <a:rPr lang="en" sz="1800" dirty="0" smtClean="0">
+                <a:solidFill>
+                  <a:schemeClr val="dk1"/>
+                </a:solidFill>
+              </a:rPr>
+              <a:t>Manual settings for focus, white balance, shutter, aperture to maintain a uniform exposure across the entire set of images</a:t>
+            </a:r>
+          </a:p>
+          <a:p>
+            <a:pPr marL="514350" lvl="0" indent="-285750">
+              <a:spcBef>
+                <a:spcPts val="600"/>
+              </a:spcBef>
+              <a:buClr>
+                <a:schemeClr val="dk1"/>
+              </a:buClr>
+              <a:buFont typeface="Arial" panose="020B0604020202020204" pitchFamily="34" charset="0"/>
+              <a:buChar char="•"/>
+            </a:pPr>
+            <a:endParaRPr lang="en" sz="1800" dirty="0" smtClean="0">
+              <a:solidFill>
+                <a:schemeClr val="dk1"/>
+              </a:solidFill>
+            </a:endParaRPr>
+          </a:p>
+          <a:p>
+            <a:pPr marL="514350" marR="0" lvl="0" indent="-285750" algn="l" rtl="0">
+              <a:lnSpc>
+                <a:spcPct val="100000"/>
+              </a:lnSpc>
+              <a:spcBef>
+                <a:spcPts val="600"/>
+              </a:spcBef>
+              <a:spcAft>
+                <a:spcPts val="0"/>
+              </a:spcAft>
+              <a:buClr>
+                <a:schemeClr val="dk1"/>
+              </a:buClr>
+              <a:buSzPct val="100000"/>
+              <a:buFont typeface="Arial" panose="020B0604020202020204" pitchFamily="34" charset="0"/>
+              <a:buChar char="•"/>
+            </a:pPr>
+            <a:endParaRPr lang="en" sz="1800" dirty="0">
+              <a:solidFill>
+                <a:schemeClr val="dk1"/>
+              </a:solidFill>
+            </a:endParaRPr>
           </a:p>
         </p:txBody>
       </p:sp>
